--- a/Презентація Вайчекаускас С.К..pptx
+++ b/Презентація Вайчекаускас С.К..pptx
@@ -3648,64 +3648,7 @@
                   </a:schemeClr>
                 </a:solidFill>
               </a:rPr>
-              <a:t>Т</a:t>
-            </a:r>
-            <a:r>
-              <a:rPr lang="uk-UA" dirty="0" smtClean="0">
-                <a:ln>
-                  <a:solidFill>
-                    <a:schemeClr val="bg1">
-                      <a:lumMod val="85000"/>
-                      <a:lumOff val="15000"/>
-                    </a:schemeClr>
-                  </a:solidFill>
-                </a:ln>
-                <a:solidFill>
-                  <a:schemeClr val="bg1">
-                    <a:lumMod val="95000"/>
-                    <a:lumOff val="5000"/>
-                  </a:schemeClr>
-                </a:solidFill>
-              </a:rPr>
-              <a:t>ема</a:t>
-            </a:r>
-            <a:r>
-              <a:rPr lang="uk-UA" dirty="0" smtClean="0">
-                <a:ln>
-                  <a:solidFill>
-                    <a:schemeClr val="bg1">
-                      <a:lumMod val="85000"/>
-                      <a:lumOff val="15000"/>
-                    </a:schemeClr>
-                  </a:solidFill>
-                </a:ln>
-                <a:solidFill>
-                  <a:schemeClr val="bg1">
-                    <a:lumMod val="95000"/>
-                    <a:lumOff val="5000"/>
-                  </a:schemeClr>
-                </a:solidFill>
-              </a:rPr>
-              <a:t>: </a:t>
-            </a:r>
-            <a:r>
-              <a:rPr lang="uk-UA" dirty="0" smtClean="0">
-                <a:ln>
-                  <a:solidFill>
-                    <a:schemeClr val="bg1">
-                      <a:lumMod val="85000"/>
-                      <a:lumOff val="15000"/>
-                    </a:schemeClr>
-                  </a:solidFill>
-                </a:ln>
-                <a:solidFill>
-                  <a:schemeClr val="bg1">
-                    <a:lumMod val="95000"/>
-                    <a:lumOff val="5000"/>
-                  </a:schemeClr>
-                </a:solidFill>
-              </a:rPr>
-              <a:t>«</a:t>
+              <a:t>Тема: «</a:t>
             </a:r>
             <a:r>
               <a:rPr lang="ru-RU" dirty="0" err="1" smtClean="0">
@@ -3972,25 +3915,6 @@
                 </a:solidFill>
               </a:rPr>
               <a:t>»</a:t>
-            </a:r>
-            <a:r>
-              <a:rPr lang="uk-UA" dirty="0" smtClean="0">
-                <a:ln>
-                  <a:solidFill>
-                    <a:schemeClr val="bg1">
-                      <a:lumMod val="85000"/>
-                      <a:lumOff val="15000"/>
-                    </a:schemeClr>
-                  </a:solidFill>
-                </a:ln>
-                <a:solidFill>
-                  <a:schemeClr val="bg1">
-                    <a:lumMod val="95000"/>
-                    <a:lumOff val="5000"/>
-                  </a:schemeClr>
-                </a:solidFill>
-              </a:rPr>
-              <a:t/>
             </a:r>
             <a:br>
               <a:rPr lang="uk-UA" dirty="0" smtClean="0">
@@ -4049,39 +3973,7 @@
                   <a:schemeClr val="tx1"/>
                 </a:solidFill>
               </a:rPr>
-              <a:t>Виконав: студент </a:t>
-            </a:r>
-            <a:r>
-              <a:rPr lang="uk-UA" sz="2000" dirty="0" smtClean="0">
-                <a:ln>
-                  <a:solidFill>
-                    <a:schemeClr val="bg2">
-                      <a:lumMod val="40000"/>
-                      <a:lumOff val="60000"/>
-                    </a:schemeClr>
-                  </a:solidFill>
-                </a:ln>
-                <a:solidFill>
-                  <a:schemeClr val="tx1"/>
-                </a:solidFill>
-              </a:rPr>
-              <a:t>групи </a:t>
-            </a:r>
-            <a:r>
-              <a:rPr lang="uk-UA" sz="2000" dirty="0" smtClean="0">
-                <a:ln>
-                  <a:solidFill>
-                    <a:schemeClr val="bg2">
-                      <a:lumMod val="40000"/>
-                      <a:lumOff val="60000"/>
-                    </a:schemeClr>
-                  </a:solidFill>
-                </a:ln>
-                <a:solidFill>
-                  <a:schemeClr val="tx1"/>
-                </a:solidFill>
-              </a:rPr>
-              <a:t>ПЗ-16-1 </a:t>
+              <a:t>Виконав: студент групи ПЗ-16-1 </a:t>
             </a:r>
             <a:r>
               <a:rPr lang="uk-UA" sz="2000" dirty="0" err="1" smtClean="0">
@@ -4115,19 +4007,6 @@
               </a:rPr>
               <a:t> С.К.</a:t>
             </a:r>
-            <a:endParaRPr lang="uk-UA" sz="2000" dirty="0" smtClean="0">
-              <a:ln>
-                <a:solidFill>
-                  <a:schemeClr val="bg2">
-                    <a:lumMod val="40000"/>
-                    <a:lumOff val="60000"/>
-                  </a:schemeClr>
-                </a:solidFill>
-              </a:ln>
-              <a:solidFill>
-                <a:schemeClr val="tx1"/>
-              </a:solidFill>
-            </a:endParaRPr>
           </a:p>
           <a:p>
             <a:endParaRPr lang="uk-UA" sz="2000" dirty="0">
@@ -4138,10 +4017,64 @@
           </a:p>
         </p:txBody>
       </p:sp>
+      <p:sp>
+        <p:nvSpPr>
+          <p:cNvPr id="5" name="TextBox 4"/>
+          <p:cNvSpPr txBox="1"/>
+          <p:nvPr/>
+        </p:nvSpPr>
+        <p:spPr>
+          <a:xfrm>
+            <a:off x="2555776" y="4725144"/>
+            <a:ext cx="5266185" cy="369332"/>
+          </a:xfrm>
+          <a:prstGeom prst="rect">
+            <a:avLst/>
+          </a:prstGeom>
+          <a:noFill/>
+        </p:spPr>
+        <p:txBody>
+          <a:bodyPr wrap="none" rtlCol="0">
+            <a:spAutoFit/>
+          </a:bodyPr>
+          <a:lstStyle/>
+          <a:p>
+            <a:r>
+              <a:rPr lang="ru-RU" dirty="0" err="1" smtClean="0"/>
+              <a:t>Кери</a:t>
+            </a:r>
+            <a:r>
+              <a:rPr lang="uk-UA" dirty="0" err="1" smtClean="0"/>
+              <a:t>івник</a:t>
+            </a:r>
+            <a:r>
+              <a:rPr lang="uk-UA" dirty="0" smtClean="0"/>
+              <a:t> </a:t>
+            </a:r>
+            <a:r>
+              <a:rPr lang="uk-UA" dirty="0" err="1" smtClean="0"/>
+              <a:t>курсовго</a:t>
+            </a:r>
+            <a:r>
+              <a:rPr lang="uk-UA" dirty="0" smtClean="0"/>
+              <a:t> проекту: </a:t>
+            </a:r>
+            <a:r>
+              <a:rPr lang="uk-UA" dirty="0" err="1" smtClean="0"/>
+              <a:t>Гапоненко</a:t>
+            </a:r>
+            <a:r>
+              <a:rPr lang="uk-UA" dirty="0" smtClean="0"/>
+              <a:t> Н.В.</a:t>
+            </a:r>
+            <a:endParaRPr lang="ru-RU" dirty="0"/>
+          </a:p>
+        </p:txBody>
+      </p:sp>
     </p:spTree>
     <p:extLst>
       <p:ext uri="{BB962C8B-B14F-4D97-AF65-F5344CB8AC3E}">
-        <p14:creationId xmlns:p14="http://schemas.microsoft.com/office/powerpoint/2010/main" xmlns="" val="3090223759"/>
+        <p14:creationId xmlns="" xmlns:p14="http://schemas.microsoft.com/office/powerpoint/2010/main" val="3090223759"/>
       </p:ext>
     </p:extLst>
   </p:cSld>
@@ -4296,19 +4229,7 @@
             </a:r>
             <a:r>
               <a:rPr lang="uk-UA" sz="2400" dirty="0" smtClean="0"/>
-              <a:t>автоматизація</a:t>
-            </a:r>
-            <a:r>
-              <a:rPr lang="uk-UA" sz="2400" dirty="0" smtClean="0"/>
-              <a:t> </a:t>
-            </a:r>
-            <a:r>
-              <a:rPr lang="uk-UA" sz="2400" dirty="0" smtClean="0"/>
-              <a:t>та</a:t>
-            </a:r>
-            <a:r>
-              <a:rPr lang="uk-UA" sz="2400" dirty="0" smtClean="0"/>
-              <a:t> спрощення формування інтегрованих навчальних планів буде вести до покращення контролю якості та рівня освіти.</a:t>
+              <a:t>автоматизація та спрощення формування інтегрованих навчальних планів буде вести до покращення контролю якості та рівня освіти.</a:t>
             </a:r>
             <a:endParaRPr lang="uk-UA" sz="2400" dirty="0"/>
           </a:p>
@@ -4326,7 +4247,7 @@
           <a:blip r:embed="rId2" cstate="print">
             <a:extLst>
               <a:ext uri="{28A0092B-C50C-407E-A947-70E740481C1C}">
-                <a14:useLocalDpi xmlns:a14="http://schemas.microsoft.com/office/drawing/2010/main" xmlns="" val="0"/>
+                <a14:useLocalDpi xmlns="" xmlns:a14="http://schemas.microsoft.com/office/drawing/2010/main" val="0"/>
               </a:ext>
             </a:extLst>
           </a:blip>
@@ -4349,14 +4270,14 @@
           </a:ln>
           <a:extLst>
             <a:ext uri="{909E8E84-426E-40DD-AFC4-6F175D3DCCD1}">
-              <a14:hiddenFill xmlns:a14="http://schemas.microsoft.com/office/drawing/2010/main" xmlns="">
+              <a14:hiddenFill xmlns="" xmlns:a14="http://schemas.microsoft.com/office/drawing/2010/main">
                 <a:solidFill>
                   <a:schemeClr val="accent1"/>
                 </a:solidFill>
               </a14:hiddenFill>
             </a:ext>
             <a:ext uri="{91240B29-F687-4F45-9708-019B960494DF}">
-              <a14:hiddenLine xmlns:a14="http://schemas.microsoft.com/office/drawing/2010/main" xmlns="" w="9525">
+              <a14:hiddenLine xmlns="" xmlns:a14="http://schemas.microsoft.com/office/drawing/2010/main" w="9525">
                 <a:solidFill>
                   <a:schemeClr val="tx1"/>
                 </a:solidFill>
@@ -4371,7 +4292,7 @@
     </p:spTree>
     <p:extLst>
       <p:ext uri="{BB962C8B-B14F-4D97-AF65-F5344CB8AC3E}">
-        <p14:creationId xmlns:p14="http://schemas.microsoft.com/office/powerpoint/2010/main" xmlns="" val="2998812529"/>
+        <p14:creationId xmlns="" xmlns:p14="http://schemas.microsoft.com/office/powerpoint/2010/main" val="2998812529"/>
       </p:ext>
     </p:extLst>
   </p:cSld>
@@ -4878,7 +4799,7 @@
     </p:spTree>
     <p:extLst>
       <p:ext uri="{BB962C8B-B14F-4D97-AF65-F5344CB8AC3E}">
-        <p14:creationId xmlns:p14="http://schemas.microsoft.com/office/powerpoint/2010/main" xmlns="" val="2934848141"/>
+        <p14:creationId xmlns="" xmlns:p14="http://schemas.microsoft.com/office/powerpoint/2010/main" val="2934848141"/>
       </p:ext>
     </p:extLst>
   </p:cSld>
@@ -4964,7 +4885,19 @@
             <a:pPr algn="just"/>
             <a:r>
               <a:rPr lang="uk-UA" dirty="0"/>
-              <a:t>У ході виконання дипломного проекту було спроектовано та реалізовано наступні таблиці бази </a:t>
+              <a:t>У ході виконання </a:t>
+            </a:r>
+            <a:r>
+              <a:rPr lang="uk-UA" dirty="0" smtClean="0"/>
+              <a:t>курсового </a:t>
+            </a:r>
+            <a:r>
+              <a:rPr lang="uk-UA" dirty="0" smtClean="0"/>
+              <a:t>проекту </a:t>
+            </a:r>
+            <a:r>
+              <a:rPr lang="uk-UA" dirty="0"/>
+              <a:t>було спроектовано та реалізовано наступні таблиці бази </a:t>
             </a:r>
             <a:r>
               <a:rPr lang="uk-UA" dirty="0" smtClean="0"/>
@@ -5081,7 +5014,7 @@
     </p:spTree>
     <p:extLst>
       <p:ext uri="{BB962C8B-B14F-4D97-AF65-F5344CB8AC3E}">
-        <p14:creationId xmlns:p14="http://schemas.microsoft.com/office/powerpoint/2010/main" xmlns="" val="592881765"/>
+        <p14:creationId xmlns="" xmlns:p14="http://schemas.microsoft.com/office/powerpoint/2010/main" val="592881765"/>
       </p:ext>
     </p:extLst>
   </p:cSld>
@@ -5223,7 +5156,6 @@
               <a:rPr lang="uk-UA" sz="2400" dirty="0" smtClean="0"/>
               <a:t> модулів, предметів та кредитів; </a:t>
             </a:r>
-            <a:endParaRPr lang="uk-UA" sz="2400" dirty="0" smtClean="0"/>
           </a:p>
           <a:p>
             <a:pPr lvl="0"/>
@@ -5239,7 +5171,6 @@
               <a:rPr lang="uk-UA" sz="2400" dirty="0" smtClean="0"/>
               <a:t> модулів;</a:t>
             </a:r>
-            <a:endParaRPr lang="uk-UA" sz="2400" dirty="0" smtClean="0"/>
           </a:p>
           <a:p>
             <a:r>
@@ -5464,7 +5395,7 @@
     </p:spTree>
     <p:extLst>
       <p:ext uri="{BB962C8B-B14F-4D97-AF65-F5344CB8AC3E}">
-        <p14:creationId xmlns:p14="http://schemas.microsoft.com/office/powerpoint/2010/main" xmlns="" val="91907532"/>
+        <p14:creationId xmlns="" xmlns:p14="http://schemas.microsoft.com/office/powerpoint/2010/main" val="91907532"/>
       </p:ext>
     </p:extLst>
   </p:cSld>
@@ -5546,11 +5477,11 @@
             <a:pPr algn="just"/>
             <a:r>
               <a:rPr lang="uk-UA" sz="2800" dirty="0" smtClean="0"/>
-              <a:t>Програма може бути корисною та актуальною для використання у вищих навчальних закладах, оскільки може в декілька раз пришвидшити та спростити побудову індивідуальних навчальних планів та питань для складання вступних фахових екзаменів</a:t>
+              <a:t>Програма може бути корисною та актуальною для використання у вищих навчальних закладах, оскільки може в декілька раз пришвидшити та спростити побудову індивідуальних навчальних планів та питань для складання вступних фахових </a:t>
             </a:r>
             <a:r>
               <a:rPr lang="uk-UA" sz="2800" dirty="0" smtClean="0"/>
-              <a:t>.</a:t>
+              <a:t>іспитів.</a:t>
             </a:r>
             <a:endParaRPr lang="uk-UA" sz="2800" dirty="0"/>
           </a:p>
@@ -5559,7 +5490,7 @@
     </p:spTree>
     <p:extLst>
       <p:ext uri="{BB962C8B-B14F-4D97-AF65-F5344CB8AC3E}">
-        <p14:creationId xmlns:p14="http://schemas.microsoft.com/office/powerpoint/2010/main" xmlns="" val="124554338"/>
+        <p14:creationId xmlns="" xmlns:p14="http://schemas.microsoft.com/office/powerpoint/2010/main" val="124554338"/>
       </p:ext>
     </p:extLst>
   </p:cSld>
@@ -5626,7 +5557,7 @@
     </p:spTree>
     <p:extLst>
       <p:ext uri="{BB962C8B-B14F-4D97-AF65-F5344CB8AC3E}">
-        <p14:creationId xmlns:p14="http://schemas.microsoft.com/office/powerpoint/2010/main" xmlns="" val="2151064936"/>
+        <p14:creationId xmlns="" xmlns:p14="http://schemas.microsoft.com/office/powerpoint/2010/main" val="2151064936"/>
       </p:ext>
     </p:extLst>
   </p:cSld>
